--- a/אפליקציה לניהול תמונות - PhotoShare.pptx
+++ b/אפליקציה לניהול תמונות - PhotoShare.pptx
@@ -6,14 +6,15 @@
   </p:sldMasterIdLst>
   <p:sldIdLst>
     <p:sldId id="256" r:id="rId2"/>
-    <p:sldId id="257" r:id="rId3"/>
-    <p:sldId id="258" r:id="rId4"/>
-    <p:sldId id="259" r:id="rId5"/>
-    <p:sldId id="260" r:id="rId6"/>
-    <p:sldId id="261" r:id="rId7"/>
-    <p:sldId id="262" r:id="rId8"/>
-    <p:sldId id="263" r:id="rId9"/>
-    <p:sldId id="264" r:id="rId10"/>
+    <p:sldId id="265" r:id="rId3"/>
+    <p:sldId id="257" r:id="rId4"/>
+    <p:sldId id="258" r:id="rId5"/>
+    <p:sldId id="259" r:id="rId6"/>
+    <p:sldId id="260" r:id="rId7"/>
+    <p:sldId id="261" r:id="rId8"/>
+    <p:sldId id="262" r:id="rId9"/>
+    <p:sldId id="263" r:id="rId10"/>
+    <p:sldId id="264" r:id="rId11"/>
   </p:sldIdLst>
   <p:sldSz cx="12192000" cy="6858000"/>
   <p:notesSz cx="6858000" cy="9144000"/>
@@ -112,6 +113,11 @@
       </a:defRPr>
     </a:lvl9pPr>
   </p:defaultTextStyle>
+  <p:extLst>
+    <p:ext uri="{EFAFB233-063F-42B5-8137-9DF3F51BA10A}">
+      <p15:sldGuideLst xmlns:p15="http://schemas.microsoft.com/office/powerpoint/2012/main"/>
+    </p:ext>
+  </p:extLst>
 </p:presentation>
 </file>
 
@@ -262,7 +268,7 @@
           <a:p>
             <a:fld id="{9DEFBCE4-53D6-4ACA-AB38-3AA4B065FE32}" type="datetimeFigureOut">
               <a:rPr lang="he-IL" smtClean="0"/>
-              <a:t>ט"ז/אדר/תשפ"ה</a:t>
+              <a:t>י"ח/אדר/תשפ"ה</a:t>
             </a:fld>
             <a:endParaRPr lang="he-IL"/>
           </a:p>
@@ -460,7 +466,7 @@
           <a:p>
             <a:fld id="{9DEFBCE4-53D6-4ACA-AB38-3AA4B065FE32}" type="datetimeFigureOut">
               <a:rPr lang="he-IL" smtClean="0"/>
-              <a:t>ט"ז/אדר/תשפ"ה</a:t>
+              <a:t>י"ח/אדר/תשפ"ה</a:t>
             </a:fld>
             <a:endParaRPr lang="he-IL"/>
           </a:p>
@@ -668,7 +674,7 @@
           <a:p>
             <a:fld id="{9DEFBCE4-53D6-4ACA-AB38-3AA4B065FE32}" type="datetimeFigureOut">
               <a:rPr lang="he-IL" smtClean="0"/>
-              <a:t>ט"ז/אדר/תשפ"ה</a:t>
+              <a:t>י"ח/אדר/תשפ"ה</a:t>
             </a:fld>
             <a:endParaRPr lang="he-IL"/>
           </a:p>
@@ -866,7 +872,7 @@
           <a:p>
             <a:fld id="{9DEFBCE4-53D6-4ACA-AB38-3AA4B065FE32}" type="datetimeFigureOut">
               <a:rPr lang="he-IL" smtClean="0"/>
-              <a:t>ט"ז/אדר/תשפ"ה</a:t>
+              <a:t>י"ח/אדר/תשפ"ה</a:t>
             </a:fld>
             <a:endParaRPr lang="he-IL"/>
           </a:p>
@@ -1141,7 +1147,7 @@
           <a:p>
             <a:fld id="{9DEFBCE4-53D6-4ACA-AB38-3AA4B065FE32}" type="datetimeFigureOut">
               <a:rPr lang="he-IL" smtClean="0"/>
-              <a:t>ט"ז/אדר/תשפ"ה</a:t>
+              <a:t>י"ח/אדר/תשפ"ה</a:t>
             </a:fld>
             <a:endParaRPr lang="he-IL"/>
           </a:p>
@@ -1406,7 +1412,7 @@
           <a:p>
             <a:fld id="{9DEFBCE4-53D6-4ACA-AB38-3AA4B065FE32}" type="datetimeFigureOut">
               <a:rPr lang="he-IL" smtClean="0"/>
-              <a:t>ט"ז/אדר/תשפ"ה</a:t>
+              <a:t>י"ח/אדר/תשפ"ה</a:t>
             </a:fld>
             <a:endParaRPr lang="he-IL"/>
           </a:p>
@@ -1818,7 +1824,7 @@
           <a:p>
             <a:fld id="{9DEFBCE4-53D6-4ACA-AB38-3AA4B065FE32}" type="datetimeFigureOut">
               <a:rPr lang="he-IL" smtClean="0"/>
-              <a:t>ט"ז/אדר/תשפ"ה</a:t>
+              <a:t>י"ח/אדר/תשפ"ה</a:t>
             </a:fld>
             <a:endParaRPr lang="he-IL"/>
           </a:p>
@@ -1959,7 +1965,7 @@
           <a:p>
             <a:fld id="{9DEFBCE4-53D6-4ACA-AB38-3AA4B065FE32}" type="datetimeFigureOut">
               <a:rPr lang="he-IL" smtClean="0"/>
-              <a:t>ט"ז/אדר/תשפ"ה</a:t>
+              <a:t>י"ח/אדר/תשפ"ה</a:t>
             </a:fld>
             <a:endParaRPr lang="he-IL"/>
           </a:p>
@@ -2072,7 +2078,7 @@
           <a:p>
             <a:fld id="{9DEFBCE4-53D6-4ACA-AB38-3AA4B065FE32}" type="datetimeFigureOut">
               <a:rPr lang="he-IL" smtClean="0"/>
-              <a:t>ט"ז/אדר/תשפ"ה</a:t>
+              <a:t>י"ח/אדר/תשפ"ה</a:t>
             </a:fld>
             <a:endParaRPr lang="he-IL"/>
           </a:p>
@@ -2383,7 +2389,7 @@
           <a:p>
             <a:fld id="{9DEFBCE4-53D6-4ACA-AB38-3AA4B065FE32}" type="datetimeFigureOut">
               <a:rPr lang="he-IL" smtClean="0"/>
-              <a:t>ט"ז/אדר/תשפ"ה</a:t>
+              <a:t>י"ח/אדר/תשפ"ה</a:t>
             </a:fld>
             <a:endParaRPr lang="he-IL"/>
           </a:p>
@@ -2671,7 +2677,7 @@
           <a:p>
             <a:fld id="{9DEFBCE4-53D6-4ACA-AB38-3AA4B065FE32}" type="datetimeFigureOut">
               <a:rPr lang="he-IL" smtClean="0"/>
-              <a:t>ט"ז/אדר/תשפ"ה</a:t>
+              <a:t>י"ח/אדר/תשפ"ה</a:t>
             </a:fld>
             <a:endParaRPr lang="he-IL"/>
           </a:p>
@@ -2912,7 +2918,7 @@
           <a:p>
             <a:fld id="{9DEFBCE4-53D6-4ACA-AB38-3AA4B065FE32}" type="datetimeFigureOut">
               <a:rPr lang="he-IL" smtClean="0"/>
-              <a:t>ט"ז/אדר/תשפ"ה</a:t>
+              <a:t>י"ח/אדר/תשפ"ה</a:t>
             </a:fld>
             <a:endParaRPr lang="he-IL"/>
           </a:p>
@@ -3423,7 +3429,937 @@
 </p:sld>
 </file>
 
+<file path=ppt/slides/slide10.xml><?xml version="1.0" encoding="utf-8"?>
+<p:sld xmlns:a="http://schemas.openxmlformats.org/drawingml/2006/main" xmlns:r="http://schemas.openxmlformats.org/officeDocument/2006/relationships" xmlns:p="http://schemas.openxmlformats.org/presentationml/2006/main">
+  <p:cSld>
+    <p:spTree>
+      <p:nvGrpSpPr>
+        <p:cNvPr id="1" name="">
+          <a:extLst>
+            <a:ext uri="{FF2B5EF4-FFF2-40B4-BE49-F238E27FC236}">
+              <a16:creationId xmlns:a16="http://schemas.microsoft.com/office/drawing/2014/main" id="{DF5F6F08-B1CB-78E9-70A7-CCB7513BFCE6}"/>
+            </a:ext>
+          </a:extLst>
+        </p:cNvPr>
+        <p:cNvGrpSpPr/>
+        <p:nvPr/>
+      </p:nvGrpSpPr>
+      <p:grpSpPr>
+        <a:xfrm>
+          <a:off x="0" y="0"/>
+          <a:ext cx="0" cy="0"/>
+          <a:chOff x="0" y="0"/>
+          <a:chExt cx="0" cy="0"/>
+        </a:xfrm>
+      </p:grpSpPr>
+      <p:sp>
+        <p:nvSpPr>
+          <p:cNvPr id="2" name="כותרת 1">
+            <a:extLst>
+              <a:ext uri="{FF2B5EF4-FFF2-40B4-BE49-F238E27FC236}">
+                <a16:creationId xmlns:a16="http://schemas.microsoft.com/office/drawing/2014/main" id="{04BF1B03-1FB1-C062-F0C3-49405E7D8890}"/>
+              </a:ext>
+            </a:extLst>
+          </p:cNvPr>
+          <p:cNvSpPr>
+            <a:spLocks noGrp="1"/>
+          </p:cNvSpPr>
+          <p:nvPr>
+            <p:ph type="ctrTitle"/>
+          </p:nvPr>
+        </p:nvSpPr>
+        <p:spPr/>
+        <p:txBody>
+          <a:bodyPr/>
+          <a:lstStyle/>
+          <a:p>
+            <a:r>
+              <a:rPr lang="he-IL" dirty="0"/>
+              <a:t>ניהול משתמשים (למנהל) </a:t>
+            </a:r>
+            <a:r>
+              <a:rPr lang="en-US" sz="4800" dirty="0"/>
+              <a:t>angular</a:t>
+            </a:r>
+            <a:endParaRPr lang="en-US" b="1" dirty="0"/>
+          </a:p>
+        </p:txBody>
+      </p:sp>
+      <p:sp>
+        <p:nvSpPr>
+          <p:cNvPr id="3" name="כותרת משנה 2">
+            <a:extLst>
+              <a:ext uri="{FF2B5EF4-FFF2-40B4-BE49-F238E27FC236}">
+                <a16:creationId xmlns:a16="http://schemas.microsoft.com/office/drawing/2014/main" id="{C17B617D-710F-1777-BEB8-9046B9BCA70B}"/>
+              </a:ext>
+            </a:extLst>
+          </p:cNvPr>
+          <p:cNvSpPr>
+            <a:spLocks noGrp="1"/>
+          </p:cNvSpPr>
+          <p:nvPr>
+            <p:ph type="subTitle" idx="1"/>
+          </p:nvPr>
+        </p:nvSpPr>
+        <p:spPr/>
+        <p:txBody>
+          <a:bodyPr/>
+          <a:lstStyle/>
+          <a:p>
+            <a:r>
+              <a:rPr lang="he-IL"/>
+              <a:t>🛠 </a:t>
+            </a:r>
+            <a:r>
+              <a:rPr lang="he-IL" b="1"/>
+              <a:t>כלי ניהול מתקדמים:</a:t>
+            </a:r>
+            <a:br>
+              <a:rPr lang="he-IL"/>
+            </a:br>
+            <a:r>
+              <a:rPr lang="he-IL"/>
+              <a:t>👥 ניהול משתמשים והרשאות</a:t>
+            </a:r>
+            <a:br>
+              <a:rPr lang="he-IL"/>
+            </a:br>
+            <a:r>
+              <a:rPr lang="he-IL"/>
+              <a:t>📊 יצירת דוחות פעילות</a:t>
+            </a:r>
+            <a:br>
+              <a:rPr lang="he-IL"/>
+            </a:br>
+            <a:r>
+              <a:rPr lang="he-IL"/>
+              <a:t>🗑 מחיקת תמונות/אלבומים בעייתיים</a:t>
+            </a:r>
+            <a:endParaRPr lang="he-IL" dirty="0"/>
+          </a:p>
+        </p:txBody>
+      </p:sp>
+    </p:spTree>
+    <p:extLst>
+      <p:ext uri="{BB962C8B-B14F-4D97-AF65-F5344CB8AC3E}">
+        <p14:creationId xmlns:p14="http://schemas.microsoft.com/office/powerpoint/2010/main" val="2824000483"/>
+      </p:ext>
+    </p:extLst>
+  </p:cSld>
+  <p:clrMapOvr>
+    <a:masterClrMapping/>
+  </p:clrMapOvr>
+</p:sld>
+</file>
+
 <file path=ppt/slides/slide2.xml><?xml version="1.0" encoding="utf-8"?>
+<p:sld xmlns:a="http://schemas.openxmlformats.org/drawingml/2006/main" xmlns:r="http://schemas.openxmlformats.org/officeDocument/2006/relationships" xmlns:p="http://schemas.openxmlformats.org/presentationml/2006/main">
+  <p:cSld>
+    <p:spTree>
+      <p:nvGrpSpPr>
+        <p:cNvPr id="1" name=""/>
+        <p:cNvGrpSpPr/>
+        <p:nvPr/>
+      </p:nvGrpSpPr>
+      <p:grpSpPr>
+        <a:xfrm>
+          <a:off x="0" y="0"/>
+          <a:ext cx="0" cy="0"/>
+          <a:chOff x="0" y="0"/>
+          <a:chExt cx="0" cy="0"/>
+        </a:xfrm>
+      </p:grpSpPr>
+      <p:sp>
+        <p:nvSpPr>
+          <p:cNvPr id="2" name="תיבת טקסט 1">
+            <a:extLst>
+              <a:ext uri="{FF2B5EF4-FFF2-40B4-BE49-F238E27FC236}">
+                <a16:creationId xmlns:a16="http://schemas.microsoft.com/office/drawing/2014/main" id="{15550E9A-55FA-DEB9-937C-E3D40742C278}"/>
+              </a:ext>
+            </a:extLst>
+          </p:cNvPr>
+          <p:cNvSpPr txBox="1"/>
+          <p:nvPr/>
+        </p:nvSpPr>
+        <p:spPr>
+          <a:xfrm>
+            <a:off x="403122" y="747252"/>
+            <a:ext cx="11479161" cy="16861446"/>
+          </a:xfrm>
+          <a:prstGeom prst="rect">
+            <a:avLst/>
+          </a:prstGeom>
+          <a:noFill/>
+        </p:spPr>
+        <p:txBody>
+          <a:bodyPr wrap="square" rtlCol="1">
+            <a:spAutoFit/>
+          </a:bodyPr>
+          <a:lstStyle/>
+          <a:p>
+            <a:r>
+              <a:rPr lang="he-IL" dirty="0"/>
+              <a:t>בהתבסס על המסכים שהצגת לאפליקציה שלך "</a:t>
+            </a:r>
+            <a:r>
+              <a:rPr lang="en-US" dirty="0" err="1"/>
+              <a:t>PhotoShare</a:t>
+            </a:r>
+            <a:r>
+              <a:rPr lang="en-US" dirty="0"/>
+              <a:t>", </a:t>
+            </a:r>
+            <a:r>
+              <a:rPr lang="he-IL" dirty="0"/>
+              <a:t>הנה הצעות לשמות </a:t>
+            </a:r>
+            <a:r>
+              <a:rPr lang="he-IL" dirty="0" err="1"/>
+              <a:t>קומפוננטות</a:t>
+            </a:r>
+            <a:r>
+              <a:rPr lang="he-IL" dirty="0"/>
+              <a:t> ולחלוקה </a:t>
+            </a:r>
+            <a:r>
+              <a:rPr lang="he-IL" dirty="0" err="1"/>
+              <a:t>לקומפוננטות</a:t>
+            </a:r>
+            <a:r>
+              <a:rPr lang="he-IL" dirty="0"/>
+              <a:t> נוספות אם יש צורך:</a:t>
+            </a:r>
+          </a:p>
+          <a:p>
+            <a:endParaRPr lang="he-IL" dirty="0"/>
+          </a:p>
+          <a:p>
+            <a:r>
+              <a:rPr lang="he-IL" dirty="0"/>
+              <a:t>### 1. שקופית 1 - כותרת המצגת</a:t>
+            </a:r>
+          </a:p>
+          <a:p>
+            <a:r>
+              <a:rPr lang="he-IL" dirty="0"/>
+              <a:t>**</a:t>
+            </a:r>
+            <a:r>
+              <a:rPr lang="he-IL" dirty="0" err="1"/>
+              <a:t>קומפוננטה</a:t>
+            </a:r>
+            <a:r>
+              <a:rPr lang="he-IL" dirty="0"/>
+              <a:t>:** `</a:t>
+            </a:r>
+            <a:r>
+              <a:rPr lang="en-US" dirty="0"/>
+              <a:t>Header`</a:t>
+            </a:r>
+          </a:p>
+          <a:p>
+            <a:r>
+              <a:rPr lang="en-US" dirty="0"/>
+              <a:t>- **</a:t>
+            </a:r>
+            <a:r>
+              <a:rPr lang="he-IL" dirty="0"/>
+              <a:t>תפקיד:** מציגה את שם האפליקציה ואת תיאור קצר של הפונקציות העיקריות.</a:t>
+            </a:r>
+          </a:p>
+          <a:p>
+            <a:endParaRPr lang="he-IL" dirty="0"/>
+          </a:p>
+          <a:p>
+            <a:r>
+              <a:rPr lang="he-IL" dirty="0"/>
+              <a:t>### 2. שקופית 2 - מסך כניסה והרשמה</a:t>
+            </a:r>
+          </a:p>
+          <a:p>
+            <a:r>
+              <a:rPr lang="he-IL" dirty="0"/>
+              <a:t>**</a:t>
+            </a:r>
+            <a:r>
+              <a:rPr lang="he-IL" dirty="0" err="1"/>
+              <a:t>קומפוננטה</a:t>
+            </a:r>
+            <a:r>
+              <a:rPr lang="he-IL" dirty="0"/>
+              <a:t>:** `</a:t>
+            </a:r>
+            <a:r>
+              <a:rPr lang="en-US" dirty="0" err="1"/>
+              <a:t>AuthForm</a:t>
+            </a:r>
+            <a:r>
+              <a:rPr lang="en-US" dirty="0"/>
+              <a:t>`</a:t>
+            </a:r>
+          </a:p>
+          <a:p>
+            <a:r>
+              <a:rPr lang="en-US" dirty="0"/>
+              <a:t>- **</a:t>
+            </a:r>
+            <a:r>
+              <a:rPr lang="he-IL" dirty="0"/>
+              <a:t>תפקיד:** מנהלת את תהליכי ההרשמה וההתחברות.</a:t>
+            </a:r>
+          </a:p>
+          <a:p>
+            <a:r>
+              <a:rPr lang="he-IL" dirty="0"/>
+              <a:t>- **חלוקה </a:t>
+            </a:r>
+            <a:r>
+              <a:rPr lang="he-IL" dirty="0" err="1"/>
+              <a:t>לקומפוננטות</a:t>
+            </a:r>
+            <a:r>
+              <a:rPr lang="he-IL" dirty="0"/>
+              <a:t> נוספות:**</a:t>
+            </a:r>
+          </a:p>
+          <a:p>
+            <a:r>
+              <a:rPr lang="he-IL" dirty="0"/>
+              <a:t>  - `</a:t>
+            </a:r>
+            <a:r>
+              <a:rPr lang="en-US" dirty="0" err="1"/>
+              <a:t>LoginForm</a:t>
+            </a:r>
+            <a:r>
+              <a:rPr lang="en-US" dirty="0"/>
+              <a:t>`: </a:t>
+            </a:r>
+            <a:r>
+              <a:rPr lang="he-IL" dirty="0"/>
+              <a:t>מסך התחברות.</a:t>
+            </a:r>
+          </a:p>
+          <a:p>
+            <a:r>
+              <a:rPr lang="he-IL" dirty="0"/>
+              <a:t>  - `</a:t>
+            </a:r>
+            <a:r>
+              <a:rPr lang="en-US" dirty="0" err="1"/>
+              <a:t>RegistrationForm</a:t>
+            </a:r>
+            <a:r>
+              <a:rPr lang="en-US" dirty="0"/>
+              <a:t>`: </a:t>
+            </a:r>
+            <a:r>
+              <a:rPr lang="he-IL" dirty="0"/>
+              <a:t>מסך הרשמה.</a:t>
+            </a:r>
+          </a:p>
+          <a:p>
+            <a:endParaRPr lang="he-IL" dirty="0"/>
+          </a:p>
+          <a:p>
+            <a:r>
+              <a:rPr lang="he-IL" dirty="0"/>
+              <a:t>### 3. שקופית 3 - דף הבית - אלבומים ותמונות</a:t>
+            </a:r>
+          </a:p>
+          <a:p>
+            <a:r>
+              <a:rPr lang="he-IL" dirty="0"/>
+              <a:t>**</a:t>
+            </a:r>
+            <a:r>
+              <a:rPr lang="he-IL" dirty="0" err="1"/>
+              <a:t>קומפוננטה</a:t>
+            </a:r>
+            <a:r>
+              <a:rPr lang="he-IL" dirty="0"/>
+              <a:t>:** `</a:t>
+            </a:r>
+            <a:r>
+              <a:rPr lang="en-US" dirty="0" err="1"/>
+              <a:t>HomePage</a:t>
+            </a:r>
+            <a:r>
+              <a:rPr lang="en-US" dirty="0"/>
+              <a:t>`</a:t>
+            </a:r>
+          </a:p>
+          <a:p>
+            <a:r>
+              <a:rPr lang="en-US" dirty="0"/>
+              <a:t>- **</a:t>
+            </a:r>
+            <a:r>
+              <a:rPr lang="he-IL" dirty="0"/>
+              <a:t>תפקיד:** מציגה את האלבומים והתמונות של המשתמש.</a:t>
+            </a:r>
+          </a:p>
+          <a:p>
+            <a:r>
+              <a:rPr lang="he-IL" dirty="0"/>
+              <a:t>- **חלוקה </a:t>
+            </a:r>
+            <a:r>
+              <a:rPr lang="he-IL" dirty="0" err="1"/>
+              <a:t>לקומפוננטות</a:t>
+            </a:r>
+            <a:r>
+              <a:rPr lang="he-IL" dirty="0"/>
+              <a:t> נוספות:**</a:t>
+            </a:r>
+          </a:p>
+          <a:p>
+            <a:r>
+              <a:rPr lang="he-IL" dirty="0"/>
+              <a:t>  - `</a:t>
+            </a:r>
+            <a:r>
+              <a:rPr lang="en-US" dirty="0" err="1"/>
+              <a:t>AlbumList</a:t>
+            </a:r>
+            <a:r>
+              <a:rPr lang="en-US" dirty="0"/>
+              <a:t>`: </a:t>
+            </a:r>
+            <a:r>
+              <a:rPr lang="he-IL" dirty="0"/>
+              <a:t>מציגה את רשימת האלבומים.</a:t>
+            </a:r>
+          </a:p>
+          <a:p>
+            <a:r>
+              <a:rPr lang="he-IL" dirty="0"/>
+              <a:t>  - `</a:t>
+            </a:r>
+            <a:r>
+              <a:rPr lang="en-US" dirty="0" err="1"/>
+              <a:t>PhotoGallery</a:t>
+            </a:r>
+            <a:r>
+              <a:rPr lang="en-US" dirty="0"/>
+              <a:t>`: </a:t>
+            </a:r>
+            <a:r>
+              <a:rPr lang="he-IL" dirty="0"/>
+              <a:t>מציגה את התמונות באלבום הנבחר.</a:t>
+            </a:r>
+          </a:p>
+          <a:p>
+            <a:endParaRPr lang="he-IL" dirty="0"/>
+          </a:p>
+          <a:p>
+            <a:r>
+              <a:rPr lang="he-IL" dirty="0"/>
+              <a:t>### 4. שקופית 4 - העלאת תמונות</a:t>
+            </a:r>
+          </a:p>
+          <a:p>
+            <a:r>
+              <a:rPr lang="he-IL" dirty="0"/>
+              <a:t>**</a:t>
+            </a:r>
+            <a:r>
+              <a:rPr lang="he-IL" dirty="0" err="1"/>
+              <a:t>קומפוננטה</a:t>
+            </a:r>
+            <a:r>
+              <a:rPr lang="he-IL" dirty="0"/>
+              <a:t>:** `</a:t>
+            </a:r>
+            <a:r>
+              <a:rPr lang="en-US" dirty="0" err="1"/>
+              <a:t>UploadPhoto</a:t>
+            </a:r>
+            <a:r>
+              <a:rPr lang="en-US" dirty="0"/>
+              <a:t>`</a:t>
+            </a:r>
+          </a:p>
+          <a:p>
+            <a:r>
+              <a:rPr lang="en-US" dirty="0"/>
+              <a:t>- **</a:t>
+            </a:r>
+            <a:r>
+              <a:rPr lang="he-IL" dirty="0"/>
+              <a:t>תפקיד:** מנהלת את תהליך העלאת התמונות.</a:t>
+            </a:r>
+          </a:p>
+          <a:p>
+            <a:r>
+              <a:rPr lang="he-IL" dirty="0"/>
+              <a:t>- **חלוקה </a:t>
+            </a:r>
+            <a:r>
+              <a:rPr lang="he-IL" dirty="0" err="1"/>
+              <a:t>לקומפוננטות</a:t>
+            </a:r>
+            <a:r>
+              <a:rPr lang="he-IL" dirty="0"/>
+              <a:t> נוספות:**</a:t>
+            </a:r>
+          </a:p>
+          <a:p>
+            <a:r>
+              <a:rPr lang="he-IL" dirty="0"/>
+              <a:t>  - `</a:t>
+            </a:r>
+            <a:r>
+              <a:rPr lang="en-US" dirty="0" err="1"/>
+              <a:t>UploadForm</a:t>
+            </a:r>
+            <a:r>
+              <a:rPr lang="en-US" dirty="0"/>
+              <a:t>`: </a:t>
+            </a:r>
+            <a:r>
+              <a:rPr lang="he-IL" dirty="0"/>
+              <a:t>טופס העלאת תמונה.</a:t>
+            </a:r>
+          </a:p>
+          <a:p>
+            <a:r>
+              <a:rPr lang="he-IL" dirty="0"/>
+              <a:t>  - `</a:t>
+            </a:r>
+            <a:r>
+              <a:rPr lang="en-US" dirty="0" err="1"/>
+              <a:t>TaggingComponent</a:t>
+            </a:r>
+            <a:r>
+              <a:rPr lang="en-US" dirty="0"/>
+              <a:t>`: </a:t>
+            </a:r>
+            <a:r>
+              <a:rPr lang="he-IL" dirty="0"/>
+              <a:t>הוספת תגיות וזיהוי פנים.</a:t>
+            </a:r>
+          </a:p>
+          <a:p>
+            <a:endParaRPr lang="he-IL" dirty="0"/>
+          </a:p>
+          <a:p>
+            <a:r>
+              <a:rPr lang="he-IL" dirty="0"/>
+              <a:t>### 5. שקופית 5 - ניהול אלבומים</a:t>
+            </a:r>
+          </a:p>
+          <a:p>
+            <a:r>
+              <a:rPr lang="he-IL" dirty="0"/>
+              <a:t>**</a:t>
+            </a:r>
+            <a:r>
+              <a:rPr lang="he-IL" dirty="0" err="1"/>
+              <a:t>קומפוננטה</a:t>
+            </a:r>
+            <a:r>
+              <a:rPr lang="he-IL" dirty="0"/>
+              <a:t>:** `</a:t>
+            </a:r>
+            <a:r>
+              <a:rPr lang="en-US" dirty="0" err="1"/>
+              <a:t>AlbumManager</a:t>
+            </a:r>
+            <a:r>
+              <a:rPr lang="en-US" dirty="0"/>
+              <a:t>`</a:t>
+            </a:r>
+          </a:p>
+          <a:p>
+            <a:r>
+              <a:rPr lang="en-US" dirty="0"/>
+              <a:t>- **</a:t>
+            </a:r>
+            <a:r>
+              <a:rPr lang="he-IL" dirty="0"/>
+              <a:t>תפקיד:** מנהלת את פעולות יצירה, עריכה ומחיקה של אלבומים.</a:t>
+            </a:r>
+          </a:p>
+          <a:p>
+            <a:r>
+              <a:rPr lang="he-IL" dirty="0"/>
+              <a:t>- **חלוקה </a:t>
+            </a:r>
+            <a:r>
+              <a:rPr lang="he-IL" dirty="0" err="1"/>
+              <a:t>לקומפוננטות</a:t>
+            </a:r>
+            <a:r>
+              <a:rPr lang="he-IL" dirty="0"/>
+              <a:t> נוספות:**</a:t>
+            </a:r>
+          </a:p>
+          <a:p>
+            <a:r>
+              <a:rPr lang="he-IL" dirty="0"/>
+              <a:t>  - `</a:t>
+            </a:r>
+            <a:r>
+              <a:rPr lang="en-US" dirty="0" err="1"/>
+              <a:t>AlbumForm</a:t>
+            </a:r>
+            <a:r>
+              <a:rPr lang="en-US" dirty="0"/>
+              <a:t>`: </a:t>
+            </a:r>
+            <a:r>
+              <a:rPr lang="he-IL" dirty="0"/>
+              <a:t>טופס ליצירת או עריכת אלבום.</a:t>
+            </a:r>
+          </a:p>
+          <a:p>
+            <a:r>
+              <a:rPr lang="he-IL" dirty="0"/>
+              <a:t>  - `</a:t>
+            </a:r>
+            <a:r>
+              <a:rPr lang="en-US" dirty="0" err="1"/>
+              <a:t>AlbumCoverSelector</a:t>
+            </a:r>
+            <a:r>
+              <a:rPr lang="en-US" dirty="0"/>
+              <a:t>`: </a:t>
+            </a:r>
+            <a:r>
+              <a:rPr lang="he-IL" dirty="0"/>
+              <a:t>בחירת תמונת נושא לאלבום.</a:t>
+            </a:r>
+          </a:p>
+          <a:p>
+            <a:endParaRPr lang="he-IL" dirty="0"/>
+          </a:p>
+          <a:p>
+            <a:r>
+              <a:rPr lang="he-IL" dirty="0"/>
+              <a:t>### 6. שקופית 6 - תצוגת אלבום ספציפי</a:t>
+            </a:r>
+          </a:p>
+          <a:p>
+            <a:r>
+              <a:rPr lang="he-IL" dirty="0"/>
+              <a:t>**</a:t>
+            </a:r>
+            <a:r>
+              <a:rPr lang="he-IL" dirty="0" err="1"/>
+              <a:t>קומפוננטה</a:t>
+            </a:r>
+            <a:r>
+              <a:rPr lang="he-IL" dirty="0"/>
+              <a:t>:** `</a:t>
+            </a:r>
+            <a:r>
+              <a:rPr lang="en-US" dirty="0" err="1"/>
+              <a:t>AlbumDetail</a:t>
+            </a:r>
+            <a:r>
+              <a:rPr lang="en-US" dirty="0"/>
+              <a:t>`</a:t>
+            </a:r>
+          </a:p>
+          <a:p>
+            <a:r>
+              <a:rPr lang="en-US" dirty="0"/>
+              <a:t>- **</a:t>
+            </a:r>
+            <a:r>
+              <a:rPr lang="he-IL" dirty="0"/>
+              <a:t>תפקיד:** מציגה את פרטי האלבום והגלריה שלו.</a:t>
+            </a:r>
+          </a:p>
+          <a:p>
+            <a:r>
+              <a:rPr lang="he-IL" dirty="0"/>
+              <a:t>- **חלוקה </a:t>
+            </a:r>
+            <a:r>
+              <a:rPr lang="he-IL" dirty="0" err="1"/>
+              <a:t>לקומפוננטות</a:t>
+            </a:r>
+            <a:r>
+              <a:rPr lang="he-IL" dirty="0"/>
+              <a:t> נוספות:**</a:t>
+            </a:r>
+          </a:p>
+          <a:p>
+            <a:r>
+              <a:rPr lang="he-IL" dirty="0"/>
+              <a:t>  - `</a:t>
+            </a:r>
+            <a:r>
+              <a:rPr lang="en-US" dirty="0" err="1"/>
+              <a:t>PhotoDetail</a:t>
+            </a:r>
+            <a:r>
+              <a:rPr lang="en-US" dirty="0"/>
+              <a:t>`: </a:t>
+            </a:r>
+            <a:r>
+              <a:rPr lang="he-IL" dirty="0"/>
+              <a:t>מצגת פרטי התמונה.</a:t>
+            </a:r>
+          </a:p>
+          <a:p>
+            <a:r>
+              <a:rPr lang="he-IL" dirty="0"/>
+              <a:t>  - `</a:t>
+            </a:r>
+            <a:r>
+              <a:rPr lang="en-US" dirty="0" err="1"/>
+              <a:t>PhotoActions</a:t>
+            </a:r>
+            <a:r>
+              <a:rPr lang="en-US" dirty="0"/>
+              <a:t>`: </a:t>
+            </a:r>
+            <a:r>
+              <a:rPr lang="he-IL" dirty="0"/>
+              <a:t>אפשרויות להורדה, עריכה או מחיקה.</a:t>
+            </a:r>
+          </a:p>
+          <a:p>
+            <a:endParaRPr lang="he-IL" dirty="0"/>
+          </a:p>
+          <a:p>
+            <a:r>
+              <a:rPr lang="he-IL" dirty="0"/>
+              <a:t>### 7. שקופית 7 - חיפוש תמונות לפי תגיות ותאריכים</a:t>
+            </a:r>
+          </a:p>
+          <a:p>
+            <a:r>
+              <a:rPr lang="he-IL" dirty="0"/>
+              <a:t>**</a:t>
+            </a:r>
+            <a:r>
+              <a:rPr lang="he-IL" dirty="0" err="1"/>
+              <a:t>קומפוננטה</a:t>
+            </a:r>
+            <a:r>
+              <a:rPr lang="he-IL" dirty="0"/>
+              <a:t>:** `</a:t>
+            </a:r>
+            <a:r>
+              <a:rPr lang="en-US" dirty="0" err="1"/>
+              <a:t>SearchPhotos</a:t>
+            </a:r>
+            <a:r>
+              <a:rPr lang="en-US" dirty="0"/>
+              <a:t>`</a:t>
+            </a:r>
+          </a:p>
+          <a:p>
+            <a:r>
+              <a:rPr lang="en-US" dirty="0"/>
+              <a:t>- **</a:t>
+            </a:r>
+            <a:r>
+              <a:rPr lang="he-IL" dirty="0"/>
+              <a:t>תפקיד:** מנהלת את תהליך החיפוש של תמונות.</a:t>
+            </a:r>
+          </a:p>
+          <a:p>
+            <a:r>
+              <a:rPr lang="he-IL" dirty="0"/>
+              <a:t>- **חלוקה </a:t>
+            </a:r>
+            <a:r>
+              <a:rPr lang="he-IL" dirty="0" err="1"/>
+              <a:t>לקומפוננטות</a:t>
+            </a:r>
+            <a:r>
+              <a:rPr lang="he-IL" dirty="0"/>
+              <a:t> נוספות:**</a:t>
+            </a:r>
+          </a:p>
+          <a:p>
+            <a:r>
+              <a:rPr lang="he-IL" dirty="0"/>
+              <a:t>  - `</a:t>
+            </a:r>
+            <a:r>
+              <a:rPr lang="en-US" dirty="0" err="1"/>
+              <a:t>SearchForm</a:t>
+            </a:r>
+            <a:r>
+              <a:rPr lang="en-US" dirty="0"/>
+              <a:t>`: </a:t>
+            </a:r>
+            <a:r>
+              <a:rPr lang="he-IL" dirty="0"/>
+              <a:t>טופס חיפוש.</a:t>
+            </a:r>
+          </a:p>
+          <a:p>
+            <a:r>
+              <a:rPr lang="he-IL" dirty="0"/>
+              <a:t>  - `</a:t>
+            </a:r>
+            <a:r>
+              <a:rPr lang="en-US" dirty="0" err="1"/>
+              <a:t>SearchResults</a:t>
+            </a:r>
+            <a:r>
+              <a:rPr lang="en-US" dirty="0"/>
+              <a:t>`: </a:t>
+            </a:r>
+            <a:r>
+              <a:rPr lang="he-IL" dirty="0"/>
+              <a:t>מצגת תוצאות החיפוש.</a:t>
+            </a:r>
+          </a:p>
+          <a:p>
+            <a:endParaRPr lang="he-IL" dirty="0"/>
+          </a:p>
+          <a:p>
+            <a:r>
+              <a:rPr lang="he-IL" dirty="0"/>
+              <a:t>### 8. שקופית 8 - שיתוף אלבומים עם משתמשים</a:t>
+            </a:r>
+          </a:p>
+          <a:p>
+            <a:r>
+              <a:rPr lang="he-IL" dirty="0"/>
+              <a:t>**</a:t>
+            </a:r>
+            <a:r>
+              <a:rPr lang="he-IL" dirty="0" err="1"/>
+              <a:t>קומפוננטה</a:t>
+            </a:r>
+            <a:r>
+              <a:rPr lang="he-IL" dirty="0"/>
+              <a:t>:** `</a:t>
+            </a:r>
+            <a:r>
+              <a:rPr lang="en-US" dirty="0" err="1"/>
+              <a:t>ShareAlbum</a:t>
+            </a:r>
+            <a:r>
+              <a:rPr lang="en-US" dirty="0"/>
+              <a:t>`</a:t>
+            </a:r>
+          </a:p>
+          <a:p>
+            <a:r>
+              <a:rPr lang="en-US" dirty="0"/>
+              <a:t>- **</a:t>
+            </a:r>
+            <a:r>
+              <a:rPr lang="he-IL" dirty="0"/>
+              <a:t>תפקיד:** מנהלת את תהליך שיתוף האלבומים עם משתמשים אחרים.</a:t>
+            </a:r>
+          </a:p>
+          <a:p>
+            <a:r>
+              <a:rPr lang="he-IL" dirty="0"/>
+              <a:t>- **חלוקה </a:t>
+            </a:r>
+            <a:r>
+              <a:rPr lang="he-IL" dirty="0" err="1"/>
+              <a:t>לקומפוננטות</a:t>
+            </a:r>
+            <a:r>
+              <a:rPr lang="he-IL" dirty="0"/>
+              <a:t> נוספות:**</a:t>
+            </a:r>
+          </a:p>
+          <a:p>
+            <a:r>
+              <a:rPr lang="he-IL" dirty="0"/>
+              <a:t>  - `</a:t>
+            </a:r>
+            <a:r>
+              <a:rPr lang="en-US" dirty="0" err="1"/>
+              <a:t>InviteUser</a:t>
+            </a:r>
+            <a:r>
+              <a:rPr lang="en-US" dirty="0"/>
+              <a:t>`: </a:t>
+            </a:r>
+            <a:r>
+              <a:rPr lang="he-IL" dirty="0"/>
+              <a:t>טופס להזמנת משתמשים.</a:t>
+            </a:r>
+          </a:p>
+          <a:p>
+            <a:r>
+              <a:rPr lang="he-IL" dirty="0"/>
+              <a:t>  - `</a:t>
+            </a:r>
+            <a:r>
+              <a:rPr lang="en-US" dirty="0" err="1"/>
+              <a:t>PermissionManager</a:t>
+            </a:r>
+            <a:r>
+              <a:rPr lang="en-US" dirty="0"/>
+              <a:t>`: </a:t>
+            </a:r>
+            <a:r>
+              <a:rPr lang="he-IL" dirty="0"/>
+              <a:t>ניהול הרשאות צפייה ועריכה.</a:t>
+            </a:r>
+          </a:p>
+          <a:p>
+            <a:endParaRPr lang="he-IL" dirty="0"/>
+          </a:p>
+          <a:p>
+            <a:r>
+              <a:rPr lang="he-IL" dirty="0"/>
+              <a:t>### סיכום</a:t>
+            </a:r>
+          </a:p>
+          <a:p>
+            <a:r>
+              <a:rPr lang="he-IL" dirty="0"/>
+              <a:t>החלוקה </a:t>
+            </a:r>
+            <a:r>
+              <a:rPr lang="he-IL" dirty="0" err="1"/>
+              <a:t>לקומפוננטות</a:t>
+            </a:r>
+            <a:r>
+              <a:rPr lang="he-IL" dirty="0"/>
+              <a:t> נוספות תסייע בשיפור התחזוקה של הקוד ובפיתוח פונקציות חדשות בעתיד. כל </a:t>
+            </a:r>
+            <a:r>
+              <a:rPr lang="he-IL" dirty="0" err="1"/>
+              <a:t>קומפוננטה</a:t>
+            </a:r>
+            <a:r>
+              <a:rPr lang="he-IL" dirty="0"/>
+              <a:t> יכולה להתמקד בפונקציה אחת, מה שיקל על העבודה עם הקוד ויביא לארגון טוב יותר. </a:t>
+            </a:r>
+          </a:p>
+          <a:p>
+            <a:endParaRPr lang="he-IL" dirty="0"/>
+          </a:p>
+          <a:p>
+            <a:r>
+              <a:rPr lang="he-IL" dirty="0"/>
+              <a:t>אם יש לך שאלות נוספות או אם אתה צריך עזרה נוספת, אל תהסס לשאול!</a:t>
+            </a:r>
+          </a:p>
+        </p:txBody>
+      </p:sp>
+    </p:spTree>
+    <p:extLst>
+      <p:ext uri="{BB962C8B-B14F-4D97-AF65-F5344CB8AC3E}">
+        <p14:creationId xmlns:p14="http://schemas.microsoft.com/office/powerpoint/2010/main" val="3786157593"/>
+      </p:ext>
+    </p:extLst>
+  </p:cSld>
+  <p:clrMapOvr>
+    <a:masterClrMapping/>
+  </p:clrMapOvr>
+</p:sld>
+</file>
+
+<file path=ppt/slides/slide3.xml><?xml version="1.0" encoding="utf-8"?>
 <p:sld xmlns:a="http://schemas.openxmlformats.org/drawingml/2006/main" xmlns:r="http://schemas.openxmlformats.org/officeDocument/2006/relationships" xmlns:p="http://schemas.openxmlformats.org/presentationml/2006/main">
   <p:cSld>
     <p:spTree>
@@ -3541,7 +4477,7 @@
 </p:sld>
 </file>
 
-<file path=ppt/slides/slide3.xml><?xml version="1.0" encoding="utf-8"?>
+<file path=ppt/slides/slide4.xml><?xml version="1.0" encoding="utf-8"?>
 <p:sld xmlns:a="http://schemas.openxmlformats.org/drawingml/2006/main" xmlns:r="http://schemas.openxmlformats.org/officeDocument/2006/relationships" xmlns:p="http://schemas.openxmlformats.org/presentationml/2006/main">
   <p:cSld>
     <p:spTree>
@@ -3659,7 +4595,7 @@
 </p:sld>
 </file>
 
-<file path=ppt/slides/slide4.xml><?xml version="1.0" encoding="utf-8"?>
+<file path=ppt/slides/slide5.xml><?xml version="1.0" encoding="utf-8"?>
 <p:sld xmlns:a="http://schemas.openxmlformats.org/drawingml/2006/main" xmlns:r="http://schemas.openxmlformats.org/officeDocument/2006/relationships" xmlns:p="http://schemas.openxmlformats.org/presentationml/2006/main">
   <p:cSld>
     <p:spTree>
@@ -3777,7 +4713,7 @@
 </p:sld>
 </file>
 
-<file path=ppt/slides/slide5.xml><?xml version="1.0" encoding="utf-8"?>
+<file path=ppt/slides/slide6.xml><?xml version="1.0" encoding="utf-8"?>
 <p:sld xmlns:a="http://schemas.openxmlformats.org/drawingml/2006/main" xmlns:r="http://schemas.openxmlformats.org/officeDocument/2006/relationships" xmlns:p="http://schemas.openxmlformats.org/presentationml/2006/main">
   <p:cSld>
     <p:spTree>
@@ -3895,7 +4831,7 @@
 </p:sld>
 </file>
 
-<file path=ppt/slides/slide6.xml><?xml version="1.0" encoding="utf-8"?>
+<file path=ppt/slides/slide7.xml><?xml version="1.0" encoding="utf-8"?>
 <p:sld xmlns:a="http://schemas.openxmlformats.org/drawingml/2006/main" xmlns:r="http://schemas.openxmlformats.org/officeDocument/2006/relationships" xmlns:p="http://schemas.openxmlformats.org/presentationml/2006/main">
   <p:cSld>
     <p:spTree>
@@ -4013,7 +4949,7 @@
 </p:sld>
 </file>
 
-<file path=ppt/slides/slide7.xml><?xml version="1.0" encoding="utf-8"?>
+<file path=ppt/slides/slide8.xml><?xml version="1.0" encoding="utf-8"?>
 <p:sld xmlns:a="http://schemas.openxmlformats.org/drawingml/2006/main" xmlns:r="http://schemas.openxmlformats.org/officeDocument/2006/relationships" xmlns:p="http://schemas.openxmlformats.org/presentationml/2006/main">
   <p:cSld>
     <p:spTree>
@@ -4131,7 +5067,7 @@
 </p:sld>
 </file>
 
-<file path=ppt/slides/slide8.xml><?xml version="1.0" encoding="utf-8"?>
+<file path=ppt/slides/slide9.xml><?xml version="1.0" encoding="utf-8"?>
 <p:sld xmlns:a="http://schemas.openxmlformats.org/drawingml/2006/main" xmlns:r="http://schemas.openxmlformats.org/officeDocument/2006/relationships" xmlns:p="http://schemas.openxmlformats.org/presentationml/2006/main">
   <p:cSld>
     <p:spTree>
@@ -4240,129 +5176,6 @@
     <p:extLst>
       <p:ext uri="{BB962C8B-B14F-4D97-AF65-F5344CB8AC3E}">
         <p14:creationId xmlns:p14="http://schemas.microsoft.com/office/powerpoint/2010/main" val="593738735"/>
-      </p:ext>
-    </p:extLst>
-  </p:cSld>
-  <p:clrMapOvr>
-    <a:masterClrMapping/>
-  </p:clrMapOvr>
-</p:sld>
-</file>
-
-<file path=ppt/slides/slide9.xml><?xml version="1.0" encoding="utf-8"?>
-<p:sld xmlns:a="http://schemas.openxmlformats.org/drawingml/2006/main" xmlns:r="http://schemas.openxmlformats.org/officeDocument/2006/relationships" xmlns:p="http://schemas.openxmlformats.org/presentationml/2006/main">
-  <p:cSld>
-    <p:spTree>
-      <p:nvGrpSpPr>
-        <p:cNvPr id="1" name="">
-          <a:extLst>
-            <a:ext uri="{FF2B5EF4-FFF2-40B4-BE49-F238E27FC236}">
-              <a16:creationId xmlns:a16="http://schemas.microsoft.com/office/drawing/2014/main" id="{DF5F6F08-B1CB-78E9-70A7-CCB7513BFCE6}"/>
-            </a:ext>
-          </a:extLst>
-        </p:cNvPr>
-        <p:cNvGrpSpPr/>
-        <p:nvPr/>
-      </p:nvGrpSpPr>
-      <p:grpSpPr>
-        <a:xfrm>
-          <a:off x="0" y="0"/>
-          <a:ext cx="0" cy="0"/>
-          <a:chOff x="0" y="0"/>
-          <a:chExt cx="0" cy="0"/>
-        </a:xfrm>
-      </p:grpSpPr>
-      <p:sp>
-        <p:nvSpPr>
-          <p:cNvPr id="2" name="כותרת 1">
-            <a:extLst>
-              <a:ext uri="{FF2B5EF4-FFF2-40B4-BE49-F238E27FC236}">
-                <a16:creationId xmlns:a16="http://schemas.microsoft.com/office/drawing/2014/main" id="{04BF1B03-1FB1-C062-F0C3-49405E7D8890}"/>
-              </a:ext>
-            </a:extLst>
-          </p:cNvPr>
-          <p:cNvSpPr>
-            <a:spLocks noGrp="1"/>
-          </p:cNvSpPr>
-          <p:nvPr>
-            <p:ph type="ctrTitle"/>
-          </p:nvPr>
-        </p:nvSpPr>
-        <p:spPr/>
-        <p:txBody>
-          <a:bodyPr/>
-          <a:lstStyle/>
-          <a:p>
-            <a:r>
-              <a:rPr lang="he-IL" dirty="0"/>
-              <a:t>ניהול משתמשים (למנהל) </a:t>
-            </a:r>
-            <a:r>
-              <a:rPr lang="en-US" sz="4800" dirty="0"/>
-              <a:t>angular</a:t>
-            </a:r>
-            <a:endParaRPr lang="en-US" b="1" dirty="0"/>
-          </a:p>
-        </p:txBody>
-      </p:sp>
-      <p:sp>
-        <p:nvSpPr>
-          <p:cNvPr id="3" name="כותרת משנה 2">
-            <a:extLst>
-              <a:ext uri="{FF2B5EF4-FFF2-40B4-BE49-F238E27FC236}">
-                <a16:creationId xmlns:a16="http://schemas.microsoft.com/office/drawing/2014/main" id="{C17B617D-710F-1777-BEB8-9046B9BCA70B}"/>
-              </a:ext>
-            </a:extLst>
-          </p:cNvPr>
-          <p:cNvSpPr>
-            <a:spLocks noGrp="1"/>
-          </p:cNvSpPr>
-          <p:nvPr>
-            <p:ph type="subTitle" idx="1"/>
-          </p:nvPr>
-        </p:nvSpPr>
-        <p:spPr/>
-        <p:txBody>
-          <a:bodyPr/>
-          <a:lstStyle/>
-          <a:p>
-            <a:r>
-              <a:rPr lang="he-IL"/>
-              <a:t>🛠 </a:t>
-            </a:r>
-            <a:r>
-              <a:rPr lang="he-IL" b="1"/>
-              <a:t>כלי ניהול מתקדמים:</a:t>
-            </a:r>
-            <a:br>
-              <a:rPr lang="he-IL"/>
-            </a:br>
-            <a:r>
-              <a:rPr lang="he-IL"/>
-              <a:t>👥 ניהול משתמשים והרשאות</a:t>
-            </a:r>
-            <a:br>
-              <a:rPr lang="he-IL"/>
-            </a:br>
-            <a:r>
-              <a:rPr lang="he-IL"/>
-              <a:t>📊 יצירת דוחות פעילות</a:t>
-            </a:r>
-            <a:br>
-              <a:rPr lang="he-IL"/>
-            </a:br>
-            <a:r>
-              <a:rPr lang="he-IL"/>
-              <a:t>🗑 מחיקת תמונות/אלבומים בעייתיים</a:t>
-            </a:r>
-            <a:endParaRPr lang="he-IL" dirty="0"/>
-          </a:p>
-        </p:txBody>
-      </p:sp>
-    </p:spTree>
-    <p:extLst>
-      <p:ext uri="{BB962C8B-B14F-4D97-AF65-F5344CB8AC3E}">
-        <p14:creationId xmlns:p14="http://schemas.microsoft.com/office/powerpoint/2010/main" val="2824000483"/>
       </p:ext>
     </p:extLst>
   </p:cSld>
